--- a/Final-Group-Presentation/Final-Group-Presentation.pptx
+++ b/Final-Group-Presentation/Final-Group-Presentation.pptx
@@ -11978,14 +11978,14 @@
             <p:ph idx="1"/>
             <p:extLst>
               <p:ext uri="{D42A27DB-BD31-4B8C-83A1-F6EECF244321}">
-                <p14:modId xmlns:p14="http://schemas.microsoft.com/office/powerpoint/2010/main" val="4113615757"/>
+                <p14:modId xmlns:p14="http://schemas.microsoft.com/office/powerpoint/2010/main" val="1830008194"/>
               </p:ext>
             </p:extLst>
           </p:nvPr>
         </p:nvGraphicFramePr>
         <p:xfrm>
           <a:off x="1450975" y="2016125"/>
-          <a:ext cx="9604375" cy="2834640"/>
+          <a:ext cx="7683500" cy="2560320"/>
         </p:xfrm>
         <a:graphic>
           <a:graphicData uri="http://schemas.openxmlformats.org/drawingml/2006/table">
@@ -12012,13 +12012,6 @@
                   <a:extLst>
                     <a:ext uri="{9D8B030D-6E8A-4147-A177-3AD203B41FA5}">
                       <a16:colId xmlns:a16="http://schemas.microsoft.com/office/drawing/2014/main" val="2901325649"/>
-                    </a:ext>
-                  </a:extLst>
-                </a:gridCol>
-                <a:gridCol w="1920875">
-                  <a:extLst>
-                    <a:ext uri="{9D8B030D-6E8A-4147-A177-3AD203B41FA5}">
-                      <a16:colId xmlns:a16="http://schemas.microsoft.com/office/drawing/2014/main" val="874549589"/>
                     </a:ext>
                   </a:extLst>
                 </a:gridCol>
@@ -12065,19 +12058,6 @@
                       <a:r>
                         <a:rPr lang="en-US" dirty="0"/>
                         <a:t>Validation Accuracy</a:t>
-                      </a:r>
-                    </a:p>
-                  </a:txBody>
-                  <a:tcPr/>
-                </a:tc>
-                <a:tc>
-                  <a:txBody>
-                    <a:bodyPr/>
-                    <a:lstStyle/>
-                    <a:p>
-                      <a:r>
-                        <a:rPr lang="en-US" dirty="0"/>
-                        <a:t>Validation Cohen Kappa score</a:t>
                       </a:r>
                     </a:p>
                   </a:txBody>
@@ -12149,19 +12129,6 @@
                     <a:p>
                       <a:r>
                         <a:rPr lang="en-US" dirty="0"/>
-                        <a:t>0.1487</a:t>
-                      </a:r>
-                    </a:p>
-                  </a:txBody>
-                  <a:tcPr/>
-                </a:tc>
-                <a:tc>
-                  <a:txBody>
-                    <a:bodyPr/>
-                    <a:lstStyle/>
-                    <a:p>
-                      <a:r>
-                        <a:rPr lang="en-US" dirty="0"/>
                         <a:t>390,280</a:t>
                       </a:r>
                     </a:p>
@@ -12209,19 +12176,6 @@
                       <a:r>
                         <a:rPr lang="en-US" dirty="0"/>
                         <a:t>0.6921</a:t>
-                      </a:r>
-                    </a:p>
-                  </a:txBody>
-                  <a:tcPr/>
-                </a:tc>
-                <a:tc>
-                  <a:txBody>
-                    <a:bodyPr/>
-                    <a:lstStyle/>
-                    <a:p>
-                      <a:r>
-                        <a:rPr lang="en-US" dirty="0"/>
-                        <a:t>0.5297</a:t>
                       </a:r>
                     </a:p>
                   </a:txBody>
@@ -12293,22 +12247,8 @@
                     <a:p>
                       <a:r>
                         <a:rPr lang="en-US" dirty="0"/>
-                        <a:t>5.7464</a:t>
-                      </a:r>
-                    </a:p>
-                  </a:txBody>
-                  <a:tcPr/>
-                </a:tc>
-                <a:tc>
-                  <a:txBody>
-                    <a:bodyPr/>
-                    <a:lstStyle/>
-                    <a:p>
-                      <a:r>
-                        <a:rPr lang="en-US"/>
                         <a:t>124,066,575</a:t>
                       </a:r>
-                      <a:endParaRPr lang="en-US" dirty="0"/>
                     </a:p>
                   </a:txBody>
                   <a:tcPr/>
